--- a/img/sponsors/qot_logo.pptx
+++ b/img/sponsors/qot_logo.pptx
@@ -104,6 +104,11 @@
       </a:defRPr>
     </a:lvl9pPr>
   </p:defaultTextStyle>
+  <p:extLst>
+    <p:ext uri="{EFAFB233-063F-42B5-8137-9DF3F51BA10A}">
+      <p15:sldGuideLst xmlns:p15="http://schemas.microsoft.com/office/powerpoint/2012/main"/>
+    </p:ext>
+  </p:extLst>
 </p:presentation>
 </file>
 
@@ -254,7 +259,7 @@
           <a:p>
             <a:fld id="{AA3F36B1-E899-4380-BF96-EC3BF0E68424}" type="datetimeFigureOut">
               <a:rPr lang="en-US" smtClean="0"/>
-              <a:t>5/11/2020</a:t>
+              <a:t>5/15/2020</a:t>
             </a:fld>
             <a:endParaRPr lang="en-US"/>
           </a:p>
@@ -452,7 +457,7 @@
           <a:p>
             <a:fld id="{AA3F36B1-E899-4380-BF96-EC3BF0E68424}" type="datetimeFigureOut">
               <a:rPr lang="en-US" smtClean="0"/>
-              <a:t>5/11/2020</a:t>
+              <a:t>5/15/2020</a:t>
             </a:fld>
             <a:endParaRPr lang="en-US"/>
           </a:p>
@@ -660,7 +665,7 @@
           <a:p>
             <a:fld id="{AA3F36B1-E899-4380-BF96-EC3BF0E68424}" type="datetimeFigureOut">
               <a:rPr lang="en-US" smtClean="0"/>
-              <a:t>5/11/2020</a:t>
+              <a:t>5/15/2020</a:t>
             </a:fld>
             <a:endParaRPr lang="en-US"/>
           </a:p>
@@ -858,7 +863,7 @@
           <a:p>
             <a:fld id="{AA3F36B1-E899-4380-BF96-EC3BF0E68424}" type="datetimeFigureOut">
               <a:rPr lang="en-US" smtClean="0"/>
-              <a:t>5/11/2020</a:t>
+              <a:t>5/15/2020</a:t>
             </a:fld>
             <a:endParaRPr lang="en-US"/>
           </a:p>
@@ -1133,7 +1138,7 @@
           <a:p>
             <a:fld id="{AA3F36B1-E899-4380-BF96-EC3BF0E68424}" type="datetimeFigureOut">
               <a:rPr lang="en-US" smtClean="0"/>
-              <a:t>5/11/2020</a:t>
+              <a:t>5/15/2020</a:t>
             </a:fld>
             <a:endParaRPr lang="en-US"/>
           </a:p>
@@ -1398,7 +1403,7 @@
           <a:p>
             <a:fld id="{AA3F36B1-E899-4380-BF96-EC3BF0E68424}" type="datetimeFigureOut">
               <a:rPr lang="en-US" smtClean="0"/>
-              <a:t>5/11/2020</a:t>
+              <a:t>5/15/2020</a:t>
             </a:fld>
             <a:endParaRPr lang="en-US"/>
           </a:p>
@@ -1810,7 +1815,7 @@
           <a:p>
             <a:fld id="{AA3F36B1-E899-4380-BF96-EC3BF0E68424}" type="datetimeFigureOut">
               <a:rPr lang="en-US" smtClean="0"/>
-              <a:t>5/11/2020</a:t>
+              <a:t>5/15/2020</a:t>
             </a:fld>
             <a:endParaRPr lang="en-US"/>
           </a:p>
@@ -1951,7 +1956,7 @@
           <a:p>
             <a:fld id="{AA3F36B1-E899-4380-BF96-EC3BF0E68424}" type="datetimeFigureOut">
               <a:rPr lang="en-US" smtClean="0"/>
-              <a:t>5/11/2020</a:t>
+              <a:t>5/15/2020</a:t>
             </a:fld>
             <a:endParaRPr lang="en-US"/>
           </a:p>
@@ -2064,7 +2069,7 @@
           <a:p>
             <a:fld id="{AA3F36B1-E899-4380-BF96-EC3BF0E68424}" type="datetimeFigureOut">
               <a:rPr lang="en-US" smtClean="0"/>
-              <a:t>5/11/2020</a:t>
+              <a:t>5/15/2020</a:t>
             </a:fld>
             <a:endParaRPr lang="en-US"/>
           </a:p>
@@ -2375,7 +2380,7 @@
           <a:p>
             <a:fld id="{AA3F36B1-E899-4380-BF96-EC3BF0E68424}" type="datetimeFigureOut">
               <a:rPr lang="en-US" smtClean="0"/>
-              <a:t>5/11/2020</a:t>
+              <a:t>5/15/2020</a:t>
             </a:fld>
             <a:endParaRPr lang="en-US"/>
           </a:p>
@@ -2663,7 +2668,7 @@
           <a:p>
             <a:fld id="{AA3F36B1-E899-4380-BF96-EC3BF0E68424}" type="datetimeFigureOut">
               <a:rPr lang="en-US" smtClean="0"/>
-              <a:t>5/11/2020</a:t>
+              <a:t>5/15/2020</a:t>
             </a:fld>
             <a:endParaRPr lang="en-US"/>
           </a:p>
@@ -2904,7 +2909,7 @@
           <a:p>
             <a:fld id="{AA3F36B1-E899-4380-BF96-EC3BF0E68424}" type="datetimeFigureOut">
               <a:rPr lang="en-US" smtClean="0"/>
-              <a:t>5/11/2020</a:t>
+              <a:t>5/15/2020</a:t>
             </a:fld>
             <a:endParaRPr lang="en-US"/>
           </a:p>
@@ -3352,8 +3357,8 @@
         </p:blipFill>
         <p:spPr>
           <a:xfrm>
-            <a:off x="5966640" y="1808244"/>
-            <a:ext cx="1091365" cy="1091365"/>
+            <a:off x="6326532" y="846192"/>
+            <a:ext cx="2130552" cy="2130552"/>
           </a:xfrm>
           <a:prstGeom prst="rect">
             <a:avLst/>
@@ -3391,8 +3396,8 @@
         </p:blipFill>
         <p:spPr>
           <a:xfrm>
-            <a:off x="4270259" y="3005585"/>
-            <a:ext cx="1256522" cy="1256522"/>
+            <a:off x="3661290" y="3376531"/>
+            <a:ext cx="2130552" cy="2130552"/>
           </a:xfrm>
           <a:prstGeom prst="rect">
             <a:avLst/>
@@ -3401,10 +3406,10 @@
       </p:pic>
       <p:cxnSp>
         <p:nvCxnSpPr>
-          <p:cNvPr id="11" name="Straight Connector 10">
-            <a:extLst>
-              <a:ext uri="{FF2B5EF4-FFF2-40B4-BE49-F238E27FC236}">
-                <a16:creationId xmlns:a16="http://schemas.microsoft.com/office/drawing/2014/main" id="{FC6BA285-2809-457F-B5F9-74E768862A1F}"/>
+          <p:cNvPr id="14" name="Straight Connector 13">
+            <a:extLst>
+              <a:ext uri="{FF2B5EF4-FFF2-40B4-BE49-F238E27FC236}">
+                <a16:creationId xmlns:a16="http://schemas.microsoft.com/office/drawing/2014/main" id="{E4E84B0F-DCAB-456E-8ECF-5CDC8B3C08FA}"/>
               </a:ext>
             </a:extLst>
           </p:cNvPr>
@@ -3414,9 +3419,9 @@
           <p:nvPr/>
         </p:nvCxnSpPr>
         <p:spPr>
-          <a:xfrm flipH="1">
-            <a:off x="3874445" y="3035745"/>
-            <a:ext cx="3850960" cy="0"/>
+          <a:xfrm>
+            <a:off x="6085234" y="404703"/>
+            <a:ext cx="21533" cy="5262083"/>
           </a:xfrm>
           <a:prstGeom prst="line">
             <a:avLst/>
@@ -3437,12 +3442,206 @@
           </a:fontRef>
         </p:style>
       </p:cxnSp>
+      <p:sp>
+        <p:nvSpPr>
+          <p:cNvPr id="17" name="TextBox 16">
+            <a:extLst>
+              <a:ext uri="{FF2B5EF4-FFF2-40B4-BE49-F238E27FC236}">
+                <a16:creationId xmlns:a16="http://schemas.microsoft.com/office/drawing/2014/main" id="{7EEBE9CC-D190-44BA-BC25-1923D26BA115}"/>
+              </a:ext>
+            </a:extLst>
+          </p:cNvPr>
+          <p:cNvSpPr txBox="1"/>
+          <p:nvPr/>
+        </p:nvSpPr>
+        <p:spPr>
+          <a:xfrm>
+            <a:off x="2918014" y="547695"/>
+            <a:ext cx="1334235" cy="2246769"/>
+          </a:xfrm>
+          <a:prstGeom prst="rect">
+            <a:avLst/>
+          </a:prstGeom>
+          <a:noFill/>
+        </p:spPr>
+        <p:txBody>
+          <a:bodyPr wrap="square" rtlCol="0">
+            <a:spAutoFit/>
+          </a:bodyPr>
+          <a:lstStyle/>
+          <a:p>
+            <a:r>
+              <a:rPr lang="en-US" sz="14000" dirty="0">
+                <a:solidFill>
+                  <a:srgbClr val="FF0000"/>
+                </a:solidFill>
+                <a:latin typeface="Consolas" panose="020B0609020204030204" pitchFamily="49" charset="0"/>
+              </a:rPr>
+              <a:t>Q</a:t>
+            </a:r>
+          </a:p>
+        </p:txBody>
+      </p:sp>
+      <p:sp>
+        <p:nvSpPr>
+          <p:cNvPr id="18" name="TextBox 17">
+            <a:extLst>
+              <a:ext uri="{FF2B5EF4-FFF2-40B4-BE49-F238E27FC236}">
+                <a16:creationId xmlns:a16="http://schemas.microsoft.com/office/drawing/2014/main" id="{F3F1B147-311D-42A7-A49A-BF0EE9E777FB}"/>
+              </a:ext>
+            </a:extLst>
+          </p:cNvPr>
+          <p:cNvSpPr txBox="1"/>
+          <p:nvPr/>
+        </p:nvSpPr>
+        <p:spPr>
+          <a:xfrm>
+            <a:off x="3859107" y="1541137"/>
+            <a:ext cx="1734917" cy="923330"/>
+          </a:xfrm>
+          <a:prstGeom prst="rect">
+            <a:avLst/>
+          </a:prstGeom>
+          <a:noFill/>
+        </p:spPr>
+        <p:txBody>
+          <a:bodyPr wrap="square" rtlCol="0">
+            <a:spAutoFit/>
+          </a:bodyPr>
+          <a:lstStyle/>
+          <a:p>
+            <a:r>
+              <a:rPr lang="en-US" sz="5400" dirty="0" err="1">
+                <a:latin typeface="Consolas" panose="020B0609020204030204" pitchFamily="49" charset="0"/>
+              </a:rPr>
+              <a:t>ueen</a:t>
+            </a:r>
+            <a:endParaRPr lang="en-US" sz="5400" dirty="0">
+              <a:latin typeface="Consolas" panose="020B0609020204030204" pitchFamily="49" charset="0"/>
+            </a:endParaRPr>
+          </a:p>
+        </p:txBody>
+      </p:sp>
+      <p:sp>
+        <p:nvSpPr>
+          <p:cNvPr id="19" name="TextBox 18">
+            <a:extLst>
+              <a:ext uri="{FF2B5EF4-FFF2-40B4-BE49-F238E27FC236}">
+                <a16:creationId xmlns:a16="http://schemas.microsoft.com/office/drawing/2014/main" id="{327B861B-63B5-478C-A9E8-585564C5D143}"/>
+              </a:ext>
+            </a:extLst>
+          </p:cNvPr>
+          <p:cNvSpPr txBox="1"/>
+          <p:nvPr/>
+        </p:nvSpPr>
+        <p:spPr>
+          <a:xfrm>
+            <a:off x="4588604" y="2210492"/>
+            <a:ext cx="1005420" cy="923330"/>
+          </a:xfrm>
+          <a:prstGeom prst="rect">
+            <a:avLst/>
+          </a:prstGeom>
+          <a:noFill/>
+        </p:spPr>
+        <p:txBody>
+          <a:bodyPr wrap="square" rtlCol="0">
+            <a:spAutoFit/>
+          </a:bodyPr>
+          <a:lstStyle/>
+          <a:p>
+            <a:r>
+              <a:rPr lang="en-US" sz="5400" dirty="0">
+                <a:latin typeface="Consolas" panose="020B0609020204030204" pitchFamily="49" charset="0"/>
+              </a:rPr>
+              <a:t>of</a:t>
+            </a:r>
+          </a:p>
+        </p:txBody>
+      </p:sp>
+      <p:sp>
+        <p:nvSpPr>
+          <p:cNvPr id="20" name="TextBox 19">
+            <a:extLst>
+              <a:ext uri="{FF2B5EF4-FFF2-40B4-BE49-F238E27FC236}">
+                <a16:creationId xmlns:a16="http://schemas.microsoft.com/office/drawing/2014/main" id="{683DE598-D92F-402E-BA33-4A5EFE2E02C8}"/>
+              </a:ext>
+            </a:extLst>
+          </p:cNvPr>
+          <p:cNvSpPr txBox="1"/>
+          <p:nvPr/>
+        </p:nvSpPr>
+        <p:spPr>
+          <a:xfrm>
+            <a:off x="6307337" y="3978783"/>
+            <a:ext cx="2168941" cy="923330"/>
+          </a:xfrm>
+          <a:prstGeom prst="rect">
+            <a:avLst/>
+          </a:prstGeom>
+          <a:noFill/>
+        </p:spPr>
+        <p:txBody>
+          <a:bodyPr wrap="square" rtlCol="0">
+            <a:spAutoFit/>
+          </a:bodyPr>
+          <a:lstStyle/>
+          <a:p>
+            <a:r>
+              <a:rPr lang="en-US" sz="5400" dirty="0">
+                <a:solidFill>
+                  <a:srgbClr val="FF0000"/>
+                </a:solidFill>
+                <a:latin typeface="Consolas" panose="020B0609020204030204" pitchFamily="49" charset="0"/>
+              </a:rPr>
+              <a:t>Tarts</a:t>
+            </a:r>
+          </a:p>
+        </p:txBody>
+      </p:sp>
+      <p:sp>
+        <p:nvSpPr>
+          <p:cNvPr id="21" name="TextBox 20">
+            <a:extLst>
+              <a:ext uri="{FF2B5EF4-FFF2-40B4-BE49-F238E27FC236}">
+                <a16:creationId xmlns:a16="http://schemas.microsoft.com/office/drawing/2014/main" id="{EF3E8F29-FA68-4FB3-92B8-70FDAB86B4C4}"/>
+              </a:ext>
+            </a:extLst>
+          </p:cNvPr>
+          <p:cNvSpPr txBox="1"/>
+          <p:nvPr/>
+        </p:nvSpPr>
+        <p:spPr>
+          <a:xfrm>
+            <a:off x="2284424" y="5824670"/>
+            <a:ext cx="7623153" cy="707886"/>
+          </a:xfrm>
+          <a:prstGeom prst="rect">
+            <a:avLst/>
+          </a:prstGeom>
+          <a:noFill/>
+        </p:spPr>
+        <p:txBody>
+          <a:bodyPr wrap="square" rtlCol="0">
+            <a:spAutoFit/>
+          </a:bodyPr>
+          <a:lstStyle/>
+          <a:p>
+            <a:r>
+              <a:rPr lang="en-US" sz="4000" dirty="0">
+                <a:latin typeface="Lucida Calligraphy" panose="03010101010101010101" pitchFamily="66" charset="0"/>
+              </a:rPr>
+              <a:t>Dealing desserts since 2020</a:t>
+            </a:r>
+          </a:p>
+        </p:txBody>
+      </p:sp>
       <p:cxnSp>
         <p:nvCxnSpPr>
-          <p:cNvPr id="14" name="Straight Connector 13">
-            <a:extLst>
-              <a:ext uri="{FF2B5EF4-FFF2-40B4-BE49-F238E27FC236}">
-                <a16:creationId xmlns:a16="http://schemas.microsoft.com/office/drawing/2014/main" id="{E4E84B0F-DCAB-456E-8ECF-5CDC8B3C08FA}"/>
+          <p:cNvPr id="15" name="Straight Connector 14">
+            <a:extLst>
+              <a:ext uri="{FF2B5EF4-FFF2-40B4-BE49-F238E27FC236}">
+                <a16:creationId xmlns:a16="http://schemas.microsoft.com/office/drawing/2014/main" id="{D2C6E6DF-1FB5-471E-B9EF-13584A71A314}"/>
               </a:ext>
             </a:extLst>
           </p:cNvPr>
@@ -3452,9 +3651,9 @@
           <p:nvPr/>
         </p:nvCxnSpPr>
         <p:spPr>
-          <a:xfrm>
-            <a:off x="5725280" y="1080773"/>
-            <a:ext cx="0" cy="3849624"/>
+          <a:xfrm rot="16200000">
+            <a:off x="5988172" y="797959"/>
+            <a:ext cx="21533" cy="5262083"/>
           </a:xfrm>
           <a:prstGeom prst="line">
             <a:avLst/>
@@ -3475,200 +3674,6 @@
           </a:fontRef>
         </p:style>
       </p:cxnSp>
-      <p:sp>
-        <p:nvSpPr>
-          <p:cNvPr id="17" name="TextBox 16">
-            <a:extLst>
-              <a:ext uri="{FF2B5EF4-FFF2-40B4-BE49-F238E27FC236}">
-                <a16:creationId xmlns:a16="http://schemas.microsoft.com/office/drawing/2014/main" id="{7EEBE9CC-D190-44BA-BC25-1923D26BA115}"/>
-              </a:ext>
-            </a:extLst>
-          </p:cNvPr>
-          <p:cNvSpPr txBox="1"/>
-          <p:nvPr/>
-        </p:nvSpPr>
-        <p:spPr>
-          <a:xfrm>
-            <a:off x="3761741" y="1393869"/>
-            <a:ext cx="1017037" cy="1569660"/>
-          </a:xfrm>
-          <a:prstGeom prst="rect">
-            <a:avLst/>
-          </a:prstGeom>
-          <a:noFill/>
-        </p:spPr>
-        <p:txBody>
-          <a:bodyPr wrap="square" rtlCol="0">
-            <a:spAutoFit/>
-          </a:bodyPr>
-          <a:lstStyle/>
-          <a:p>
-            <a:r>
-              <a:rPr lang="en-US" sz="9600" dirty="0">
-                <a:solidFill>
-                  <a:srgbClr val="FF0000"/>
-                </a:solidFill>
-                <a:latin typeface="Consolas" panose="020B0609020204030204" pitchFamily="49" charset="0"/>
-              </a:rPr>
-              <a:t>Q</a:t>
-            </a:r>
-          </a:p>
-        </p:txBody>
-      </p:sp>
-      <p:sp>
-        <p:nvSpPr>
-          <p:cNvPr id="18" name="TextBox 17">
-            <a:extLst>
-              <a:ext uri="{FF2B5EF4-FFF2-40B4-BE49-F238E27FC236}">
-                <a16:creationId xmlns:a16="http://schemas.microsoft.com/office/drawing/2014/main" id="{F3F1B147-311D-42A7-A49A-BF0EE9E777FB}"/>
-              </a:ext>
-            </a:extLst>
-          </p:cNvPr>
-          <p:cNvSpPr txBox="1"/>
-          <p:nvPr/>
-        </p:nvSpPr>
-        <p:spPr>
-          <a:xfrm>
-            <a:off x="4508773" y="2178699"/>
-            <a:ext cx="1256518" cy="584775"/>
-          </a:xfrm>
-          <a:prstGeom prst="rect">
-            <a:avLst/>
-          </a:prstGeom>
-          <a:noFill/>
-        </p:spPr>
-        <p:txBody>
-          <a:bodyPr wrap="square" rtlCol="0">
-            <a:spAutoFit/>
-          </a:bodyPr>
-          <a:lstStyle/>
-          <a:p>
-            <a:r>
-              <a:rPr lang="en-US" sz="3200" dirty="0" err="1">
-                <a:latin typeface="Consolas" panose="020B0609020204030204" pitchFamily="49" charset="0"/>
-              </a:rPr>
-              <a:t>ueen</a:t>
-            </a:r>
-            <a:endParaRPr lang="en-US" sz="3200" dirty="0">
-              <a:latin typeface="Consolas" panose="020B0609020204030204" pitchFamily="49" charset="0"/>
-            </a:endParaRPr>
-          </a:p>
-        </p:txBody>
-      </p:sp>
-      <p:sp>
-        <p:nvSpPr>
-          <p:cNvPr id="19" name="TextBox 18">
-            <a:extLst>
-              <a:ext uri="{FF2B5EF4-FFF2-40B4-BE49-F238E27FC236}">
-                <a16:creationId xmlns:a16="http://schemas.microsoft.com/office/drawing/2014/main" id="{327B861B-63B5-478C-A9E8-585564C5D143}"/>
-              </a:ext>
-            </a:extLst>
-          </p:cNvPr>
-          <p:cNvSpPr txBox="1"/>
-          <p:nvPr/>
-        </p:nvSpPr>
-        <p:spPr>
-          <a:xfrm>
-            <a:off x="5115077" y="2530875"/>
-            <a:ext cx="634479" cy="584775"/>
-          </a:xfrm>
-          <a:prstGeom prst="rect">
-            <a:avLst/>
-          </a:prstGeom>
-          <a:noFill/>
-        </p:spPr>
-        <p:txBody>
-          <a:bodyPr wrap="square" rtlCol="0">
-            <a:spAutoFit/>
-          </a:bodyPr>
-          <a:lstStyle/>
-          <a:p>
-            <a:r>
-              <a:rPr lang="en-US" sz="3200" dirty="0">
-                <a:latin typeface="Consolas" panose="020B0609020204030204" pitchFamily="49" charset="0"/>
-              </a:rPr>
-              <a:t>of</a:t>
-            </a:r>
-          </a:p>
-        </p:txBody>
-      </p:sp>
-      <p:sp>
-        <p:nvSpPr>
-          <p:cNvPr id="20" name="TextBox 19">
-            <a:extLst>
-              <a:ext uri="{FF2B5EF4-FFF2-40B4-BE49-F238E27FC236}">
-                <a16:creationId xmlns:a16="http://schemas.microsoft.com/office/drawing/2014/main" id="{683DE598-D92F-402E-BA33-4A5EFE2E02C8}"/>
-              </a:ext>
-            </a:extLst>
-          </p:cNvPr>
-          <p:cNvSpPr txBox="1"/>
-          <p:nvPr/>
-        </p:nvSpPr>
-        <p:spPr>
-          <a:xfrm>
-            <a:off x="5988173" y="3449587"/>
-            <a:ext cx="1367219" cy="584775"/>
-          </a:xfrm>
-          <a:prstGeom prst="rect">
-            <a:avLst/>
-          </a:prstGeom>
-          <a:noFill/>
-        </p:spPr>
-        <p:txBody>
-          <a:bodyPr wrap="square" rtlCol="0">
-            <a:spAutoFit/>
-          </a:bodyPr>
-          <a:lstStyle/>
-          <a:p>
-            <a:r>
-              <a:rPr lang="en-US" sz="3200" dirty="0">
-                <a:solidFill>
-                  <a:srgbClr val="FF0000"/>
-                </a:solidFill>
-                <a:latin typeface="Consolas" panose="020B0609020204030204" pitchFamily="49" charset="0"/>
-              </a:rPr>
-              <a:t>Tarts</a:t>
-            </a:r>
-          </a:p>
-        </p:txBody>
-      </p:sp>
-      <p:sp>
-        <p:nvSpPr>
-          <p:cNvPr id="21" name="TextBox 20">
-            <a:extLst>
-              <a:ext uri="{FF2B5EF4-FFF2-40B4-BE49-F238E27FC236}">
-                <a16:creationId xmlns:a16="http://schemas.microsoft.com/office/drawing/2014/main" id="{EF3E8F29-FA68-4FB3-92B8-70FDAB86B4C4}"/>
-              </a:ext>
-            </a:extLst>
-          </p:cNvPr>
-          <p:cNvSpPr txBox="1"/>
-          <p:nvPr/>
-        </p:nvSpPr>
-        <p:spPr>
-          <a:xfrm>
-            <a:off x="3769439" y="5072256"/>
-            <a:ext cx="3911681" cy="400110"/>
-          </a:xfrm>
-          <a:prstGeom prst="rect">
-            <a:avLst/>
-          </a:prstGeom>
-          <a:noFill/>
-        </p:spPr>
-        <p:txBody>
-          <a:bodyPr wrap="square" rtlCol="0">
-            <a:spAutoFit/>
-          </a:bodyPr>
-          <a:lstStyle/>
-          <a:p>
-            <a:r>
-              <a:rPr lang="en-US" sz="2000" dirty="0">
-                <a:latin typeface="Lucida Calligraphy" panose="03010101010101010101" pitchFamily="66" charset="0"/>
-              </a:rPr>
-              <a:t>Dealing desserts since 2020</a:t>
-            </a:r>
-          </a:p>
-        </p:txBody>
-      </p:sp>
     </p:spTree>
     <p:extLst>
       <p:ext uri="{BB962C8B-B14F-4D97-AF65-F5344CB8AC3E}">
